--- a/images/labeled_robot.pptx
+++ b/images/labeled_robot.pptx
@@ -259,7 +259,7 @@
           <a:p>
             <a:fld id="{D3107166-C4DA-4C3A-B828-A77CE6732949}" type="datetimeFigureOut">
               <a:rPr lang="en-US" smtClean="0"/>
-              <a:t>1/25/2022</a:t>
+              <a:t>1/29/2022</a:t>
             </a:fld>
             <a:endParaRPr lang="en-US"/>
           </a:p>
@@ -457,7 +457,7 @@
           <a:p>
             <a:fld id="{D3107166-C4DA-4C3A-B828-A77CE6732949}" type="datetimeFigureOut">
               <a:rPr lang="en-US" smtClean="0"/>
-              <a:t>1/25/2022</a:t>
+              <a:t>1/29/2022</a:t>
             </a:fld>
             <a:endParaRPr lang="en-US"/>
           </a:p>
@@ -665,7 +665,7 @@
           <a:p>
             <a:fld id="{D3107166-C4DA-4C3A-B828-A77CE6732949}" type="datetimeFigureOut">
               <a:rPr lang="en-US" smtClean="0"/>
-              <a:t>1/25/2022</a:t>
+              <a:t>1/29/2022</a:t>
             </a:fld>
             <a:endParaRPr lang="en-US"/>
           </a:p>
@@ -863,7 +863,7 @@
           <a:p>
             <a:fld id="{D3107166-C4DA-4C3A-B828-A77CE6732949}" type="datetimeFigureOut">
               <a:rPr lang="en-US" smtClean="0"/>
-              <a:t>1/25/2022</a:t>
+              <a:t>1/29/2022</a:t>
             </a:fld>
             <a:endParaRPr lang="en-US"/>
           </a:p>
@@ -1138,7 +1138,7 @@
           <a:p>
             <a:fld id="{D3107166-C4DA-4C3A-B828-A77CE6732949}" type="datetimeFigureOut">
               <a:rPr lang="en-US" smtClean="0"/>
-              <a:t>1/25/2022</a:t>
+              <a:t>1/29/2022</a:t>
             </a:fld>
             <a:endParaRPr lang="en-US"/>
           </a:p>
@@ -1403,7 +1403,7 @@
           <a:p>
             <a:fld id="{D3107166-C4DA-4C3A-B828-A77CE6732949}" type="datetimeFigureOut">
               <a:rPr lang="en-US" smtClean="0"/>
-              <a:t>1/25/2022</a:t>
+              <a:t>1/29/2022</a:t>
             </a:fld>
             <a:endParaRPr lang="en-US"/>
           </a:p>
@@ -1815,7 +1815,7 @@
           <a:p>
             <a:fld id="{D3107166-C4DA-4C3A-B828-A77CE6732949}" type="datetimeFigureOut">
               <a:rPr lang="en-US" smtClean="0"/>
-              <a:t>1/25/2022</a:t>
+              <a:t>1/29/2022</a:t>
             </a:fld>
             <a:endParaRPr lang="en-US"/>
           </a:p>
@@ -1956,7 +1956,7 @@
           <a:p>
             <a:fld id="{D3107166-C4DA-4C3A-B828-A77CE6732949}" type="datetimeFigureOut">
               <a:rPr lang="en-US" smtClean="0"/>
-              <a:t>1/25/2022</a:t>
+              <a:t>1/29/2022</a:t>
             </a:fld>
             <a:endParaRPr lang="en-US"/>
           </a:p>
@@ -2069,7 +2069,7 @@
           <a:p>
             <a:fld id="{D3107166-C4DA-4C3A-B828-A77CE6732949}" type="datetimeFigureOut">
               <a:rPr lang="en-US" smtClean="0"/>
-              <a:t>1/25/2022</a:t>
+              <a:t>1/29/2022</a:t>
             </a:fld>
             <a:endParaRPr lang="en-US"/>
           </a:p>
@@ -2380,7 +2380,7 @@
           <a:p>
             <a:fld id="{D3107166-C4DA-4C3A-B828-A77CE6732949}" type="datetimeFigureOut">
               <a:rPr lang="en-US" smtClean="0"/>
-              <a:t>1/25/2022</a:t>
+              <a:t>1/29/2022</a:t>
             </a:fld>
             <a:endParaRPr lang="en-US"/>
           </a:p>
@@ -2668,7 +2668,7 @@
           <a:p>
             <a:fld id="{D3107166-C4DA-4C3A-B828-A77CE6732949}" type="datetimeFigureOut">
               <a:rPr lang="en-US" smtClean="0"/>
-              <a:t>1/25/2022</a:t>
+              <a:t>1/29/2022</a:t>
             </a:fld>
             <a:endParaRPr lang="en-US"/>
           </a:p>
@@ -2909,7 +2909,7 @@
           <a:p>
             <a:fld id="{D3107166-C4DA-4C3A-B828-A77CE6732949}" type="datetimeFigureOut">
               <a:rPr lang="en-US" smtClean="0"/>
-              <a:t>1/25/2022</a:t>
+              <a:t>1/29/2022</a:t>
             </a:fld>
             <a:endParaRPr lang="en-US"/>
           </a:p>
@@ -3328,10 +3328,10 @@
       </p:grpSpPr>
       <p:pic>
         <p:nvPicPr>
-          <p:cNvPr id="5" name="Picture 4">
-            <a:extLst>
-              <a:ext uri="{FF2B5EF4-FFF2-40B4-BE49-F238E27FC236}">
-                <a16:creationId xmlns:a16="http://schemas.microsoft.com/office/drawing/2014/main" id="{336D6B01-8254-4356-9927-7A184AFE95EB}"/>
+          <p:cNvPr id="3" name="Picture 2">
+            <a:extLst>
+              <a:ext uri="{FF2B5EF4-FFF2-40B4-BE49-F238E27FC236}">
+                <a16:creationId xmlns:a16="http://schemas.microsoft.com/office/drawing/2014/main" id="{DD09CA16-205B-45AD-ACB8-06F27255D9FD}"/>
               </a:ext>
             </a:extLst>
           </p:cNvPr>
@@ -3348,115 +3348,14 @@
         </p:blipFill>
         <p:spPr>
           <a:xfrm>
-            <a:off x="2824162" y="852487"/>
-            <a:ext cx="6543675" cy="5153025"/>
+            <a:off x="3718915" y="135127"/>
+            <a:ext cx="6668431" cy="6382641"/>
           </a:xfrm>
           <a:prstGeom prst="rect">
             <a:avLst/>
           </a:prstGeom>
         </p:spPr>
       </p:pic>
-      <p:sp>
-        <p:nvSpPr>
-          <p:cNvPr id="6" name="Rectangle 5">
-            <a:extLst>
-              <a:ext uri="{FF2B5EF4-FFF2-40B4-BE49-F238E27FC236}">
-                <a16:creationId xmlns:a16="http://schemas.microsoft.com/office/drawing/2014/main" id="{F05D13EF-2346-4799-AFAF-E592C04ECBDF}"/>
-              </a:ext>
-            </a:extLst>
-          </p:cNvPr>
-          <p:cNvSpPr/>
-          <p:nvPr/>
-        </p:nvSpPr>
-        <p:spPr>
-          <a:xfrm>
-            <a:off x="4307080" y="4479636"/>
-            <a:ext cx="1585720" cy="655782"/>
-          </a:xfrm>
-          <a:prstGeom prst="rect">
-            <a:avLst/>
-          </a:prstGeom>
-          <a:ln>
-            <a:noFill/>
-          </a:ln>
-        </p:spPr>
-        <p:style>
-          <a:lnRef idx="2">
-            <a:schemeClr val="accent1">
-              <a:shade val="50000"/>
-            </a:schemeClr>
-          </a:lnRef>
-          <a:fillRef idx="1">
-            <a:schemeClr val="accent1"/>
-          </a:fillRef>
-          <a:effectRef idx="0">
-            <a:schemeClr val="accent1"/>
-          </a:effectRef>
-          <a:fontRef idx="minor">
-            <a:schemeClr val="lt1"/>
-          </a:fontRef>
-        </p:style>
-        <p:txBody>
-          <a:bodyPr rtlCol="0" anchor="ctr"/>
-          <a:lstStyle/>
-          <a:p>
-            <a:pPr algn="ctr"/>
-            <a:r>
-              <a:rPr lang="en-US" dirty="0"/>
-              <a:t>INTAKE</a:t>
-            </a:r>
-          </a:p>
-        </p:txBody>
-      </p:sp>
-      <p:sp>
-        <p:nvSpPr>
-          <p:cNvPr id="7" name="Rectangle 6">
-            <a:extLst>
-              <a:ext uri="{FF2B5EF4-FFF2-40B4-BE49-F238E27FC236}">
-                <a16:creationId xmlns:a16="http://schemas.microsoft.com/office/drawing/2014/main" id="{4902B6C8-D36E-45BF-9A0B-AB6853542AC2}"/>
-              </a:ext>
-            </a:extLst>
-          </p:cNvPr>
-          <p:cNvSpPr/>
-          <p:nvPr/>
-        </p:nvSpPr>
-        <p:spPr>
-          <a:xfrm>
-            <a:off x="4307080" y="5135418"/>
-            <a:ext cx="792860" cy="655782"/>
-          </a:xfrm>
-          <a:prstGeom prst="rect">
-            <a:avLst/>
-          </a:prstGeom>
-          <a:ln>
-            <a:noFill/>
-          </a:ln>
-        </p:spPr>
-        <p:style>
-          <a:lnRef idx="2">
-            <a:schemeClr val="accent1">
-              <a:shade val="50000"/>
-            </a:schemeClr>
-          </a:lnRef>
-          <a:fillRef idx="1">
-            <a:schemeClr val="accent1"/>
-          </a:fillRef>
-          <a:effectRef idx="0">
-            <a:schemeClr val="accent1"/>
-          </a:effectRef>
-          <a:fontRef idx="minor">
-            <a:schemeClr val="lt1"/>
-          </a:fontRef>
-        </p:style>
-        <p:txBody>
-          <a:bodyPr rtlCol="0" anchor="ctr"/>
-          <a:lstStyle/>
-          <a:p>
-            <a:pPr algn="ctr"/>
-            <a:endParaRPr lang="en-US"/>
-          </a:p>
-        </p:txBody>
-      </p:sp>
       <p:sp>
         <p:nvSpPr>
           <p:cNvPr id="8" name="TextBox 7">
@@ -3563,7 +3462,7 @@
         </p:nvSpPr>
         <p:spPr>
           <a:xfrm>
-            <a:off x="6036396" y="2498954"/>
+            <a:off x="6036396" y="2541684"/>
             <a:ext cx="760144" cy="307777"/>
           </a:xfrm>
           <a:prstGeom prst="rect">
@@ -3661,7 +3560,7 @@
         </p:nvSpPr>
         <p:spPr>
           <a:xfrm rot="16200000">
-            <a:off x="7384497" y="2532492"/>
+            <a:off x="7372509" y="2695037"/>
             <a:ext cx="838691" cy="307777"/>
           </a:xfrm>
           <a:prstGeom prst="rect">
@@ -3747,123 +3646,6 @@
       </p:sp>
       <p:sp>
         <p:nvSpPr>
-          <p:cNvPr id="15" name="Rectangle 14">
-            <a:extLst>
-              <a:ext uri="{FF2B5EF4-FFF2-40B4-BE49-F238E27FC236}">
-                <a16:creationId xmlns:a16="http://schemas.microsoft.com/office/drawing/2014/main" id="{07725C95-19F2-47F6-80A4-B656AC9717C6}"/>
-              </a:ext>
-            </a:extLst>
-          </p:cNvPr>
-          <p:cNvSpPr/>
-          <p:nvPr/>
-        </p:nvSpPr>
-        <p:spPr>
-          <a:xfrm>
-            <a:off x="6317539" y="1256144"/>
-            <a:ext cx="1090021" cy="1177636"/>
-          </a:xfrm>
-          <a:prstGeom prst="rect">
-            <a:avLst/>
-          </a:prstGeom>
-          <a:solidFill>
-            <a:srgbClr val="FF0000"/>
-          </a:solidFill>
-          <a:ln>
-            <a:noFill/>
-          </a:ln>
-        </p:spPr>
-        <p:style>
-          <a:lnRef idx="2">
-            <a:schemeClr val="accent2">
-              <a:shade val="50000"/>
-            </a:schemeClr>
-          </a:lnRef>
-          <a:fillRef idx="1">
-            <a:schemeClr val="accent2"/>
-          </a:fillRef>
-          <a:effectRef idx="0">
-            <a:schemeClr val="accent2"/>
-          </a:effectRef>
-          <a:fontRef idx="minor">
-            <a:schemeClr val="lt1"/>
-          </a:fontRef>
-        </p:style>
-        <p:txBody>
-          <a:bodyPr rtlCol="0" anchor="ctr"/>
-          <a:lstStyle/>
-          <a:p>
-            <a:pPr algn="ctr"/>
-            <a:r>
-              <a:rPr lang="en-US" dirty="0"/>
-              <a:t>SHOOTER</a:t>
-            </a:r>
-            <a:br>
-              <a:rPr lang="en-US" dirty="0"/>
-            </a:br>
-            <a:r>
-              <a:rPr lang="en-US" dirty="0"/>
-              <a:t>WHEEL</a:t>
-            </a:r>
-          </a:p>
-        </p:txBody>
-      </p:sp>
-      <p:sp>
-        <p:nvSpPr>
-          <p:cNvPr id="16" name="Rectangle 15">
-            <a:extLst>
-              <a:ext uri="{FF2B5EF4-FFF2-40B4-BE49-F238E27FC236}">
-                <a16:creationId xmlns:a16="http://schemas.microsoft.com/office/drawing/2014/main" id="{12F6C9F9-711E-403D-975D-A95EE204EA8C}"/>
-              </a:ext>
-            </a:extLst>
-          </p:cNvPr>
-          <p:cNvSpPr/>
-          <p:nvPr/>
-        </p:nvSpPr>
-        <p:spPr>
-          <a:xfrm>
-            <a:off x="5804250" y="1256144"/>
-            <a:ext cx="515906" cy="1177636"/>
-          </a:xfrm>
-          <a:prstGeom prst="rect">
-            <a:avLst/>
-          </a:prstGeom>
-          <a:solidFill>
-            <a:srgbClr val="C00000"/>
-          </a:solidFill>
-          <a:ln>
-            <a:noFill/>
-          </a:ln>
-        </p:spPr>
-        <p:style>
-          <a:lnRef idx="2">
-            <a:schemeClr val="accent2">
-              <a:shade val="50000"/>
-            </a:schemeClr>
-          </a:lnRef>
-          <a:fillRef idx="1">
-            <a:schemeClr val="accent2"/>
-          </a:fillRef>
-          <a:effectRef idx="0">
-            <a:schemeClr val="accent2"/>
-          </a:effectRef>
-          <a:fontRef idx="minor">
-            <a:schemeClr val="lt1"/>
-          </a:fontRef>
-        </p:style>
-        <p:txBody>
-          <a:bodyPr vert="vert270" rtlCol="0" anchor="ctr"/>
-          <a:lstStyle/>
-          <a:p>
-            <a:pPr algn="ctr"/>
-            <a:r>
-              <a:rPr lang="en-US" sz="1200" dirty="0"/>
-              <a:t>SHOOTER HOOD</a:t>
-            </a:r>
-          </a:p>
-        </p:txBody>
-      </p:sp>
-      <p:sp>
-        <p:nvSpPr>
           <p:cNvPr id="17" name="TextBox 16">
             <a:extLst>
               <a:ext uri="{FF2B5EF4-FFF2-40B4-BE49-F238E27FC236}">
@@ -3876,7 +3658,7 @@
         </p:nvSpPr>
         <p:spPr>
           <a:xfrm rot="16200000">
-            <a:off x="5678581" y="3050310"/>
+            <a:off x="5851249" y="3178986"/>
             <a:ext cx="822661" cy="307777"/>
           </a:xfrm>
           <a:prstGeom prst="rect">
@@ -3925,7 +3707,7 @@
         </p:nvSpPr>
         <p:spPr>
           <a:xfrm rot="16200000">
-            <a:off x="5702302" y="4671537"/>
+            <a:off x="5868882" y="4738418"/>
             <a:ext cx="787395" cy="307777"/>
           </a:xfrm>
           <a:prstGeom prst="rect">
@@ -3956,6 +3738,225 @@
                 </a:effectLst>
               </a:rPr>
               <a:t>HOPPER</a:t>
+            </a:r>
+          </a:p>
+        </p:txBody>
+      </p:sp>
+      <p:sp>
+        <p:nvSpPr>
+          <p:cNvPr id="19" name="TextBox 18">
+            <a:extLst>
+              <a:ext uri="{FF2B5EF4-FFF2-40B4-BE49-F238E27FC236}">
+                <a16:creationId xmlns:a16="http://schemas.microsoft.com/office/drawing/2014/main" id="{DBA0A814-9C70-4E57-9D7E-CA2310026D1B}"/>
+              </a:ext>
+            </a:extLst>
+          </p:cNvPr>
+          <p:cNvSpPr txBox="1"/>
+          <p:nvPr/>
+        </p:nvSpPr>
+        <p:spPr>
+          <a:xfrm>
+            <a:off x="4695948" y="4054241"/>
+            <a:ext cx="704424" cy="307777"/>
+          </a:xfrm>
+          <a:prstGeom prst="rect">
+            <a:avLst/>
+          </a:prstGeom>
+          <a:noFill/>
+        </p:spPr>
+        <p:txBody>
+          <a:bodyPr wrap="none" rtlCol="0">
+            <a:spAutoFit/>
+          </a:bodyPr>
+          <a:lstStyle/>
+          <a:p>
+            <a:r>
+              <a:rPr lang="en-US" sz="1400" dirty="0">
+                <a:solidFill>
+                  <a:schemeClr val="bg1"/>
+                </a:solidFill>
+                <a:effectLst>
+                  <a:glow rad="127000">
+                    <a:schemeClr val="tx1">
+                      <a:alpha val="50000"/>
+                    </a:schemeClr>
+                  </a:glow>
+                  <a:outerShdw blurRad="50800" dir="5400000" algn="ctr" rotWithShape="0">
+                    <a:schemeClr val="tx1"/>
+                  </a:outerShdw>
+                </a:effectLst>
+              </a:rPr>
+              <a:t>INTAKE</a:t>
+            </a:r>
+          </a:p>
+        </p:txBody>
+      </p:sp>
+      <p:sp>
+        <p:nvSpPr>
+          <p:cNvPr id="20" name="TextBox 19">
+            <a:extLst>
+              <a:ext uri="{FF2B5EF4-FFF2-40B4-BE49-F238E27FC236}">
+                <a16:creationId xmlns:a16="http://schemas.microsoft.com/office/drawing/2014/main" id="{FD679850-5CEA-4C76-88A9-CE76FCB025AD}"/>
+              </a:ext>
+            </a:extLst>
+          </p:cNvPr>
+          <p:cNvSpPr txBox="1"/>
+          <p:nvPr/>
+        </p:nvSpPr>
+        <p:spPr>
+          <a:xfrm rot="16200000">
+            <a:off x="5137801" y="1756639"/>
+            <a:ext cx="885179" cy="523220"/>
+          </a:xfrm>
+          <a:prstGeom prst="rect">
+            <a:avLst/>
+          </a:prstGeom>
+          <a:noFill/>
+        </p:spPr>
+        <p:txBody>
+          <a:bodyPr wrap="none" rtlCol="0">
+            <a:spAutoFit/>
+          </a:bodyPr>
+          <a:lstStyle/>
+          <a:p>
+            <a:pPr algn="ctr"/>
+            <a:r>
+              <a:rPr lang="en-US" sz="1400" dirty="0">
+                <a:solidFill>
+                  <a:schemeClr val="bg1"/>
+                </a:solidFill>
+                <a:effectLst>
+                  <a:glow rad="127000">
+                    <a:schemeClr val="tx1">
+                      <a:alpha val="50000"/>
+                    </a:schemeClr>
+                  </a:glow>
+                  <a:outerShdw blurRad="50800" dir="5400000" algn="ctr" rotWithShape="0">
+                    <a:schemeClr val="tx1"/>
+                  </a:outerShdw>
+                </a:effectLst>
+              </a:rPr>
+              <a:t>SHOOTER</a:t>
+            </a:r>
+            <a:br>
+              <a:rPr lang="en-US" sz="1400" dirty="0">
+                <a:solidFill>
+                  <a:schemeClr val="bg1"/>
+                </a:solidFill>
+                <a:effectLst>
+                  <a:glow rad="127000">
+                    <a:schemeClr val="tx1">
+                      <a:alpha val="50000"/>
+                    </a:schemeClr>
+                  </a:glow>
+                  <a:outerShdw blurRad="50800" dir="5400000" algn="ctr" rotWithShape="0">
+                    <a:schemeClr val="tx1"/>
+                  </a:outerShdw>
+                </a:effectLst>
+              </a:rPr>
+            </a:br>
+            <a:r>
+              <a:rPr lang="en-US" sz="1400" dirty="0">
+                <a:solidFill>
+                  <a:schemeClr val="bg1"/>
+                </a:solidFill>
+                <a:effectLst>
+                  <a:glow rad="127000">
+                    <a:schemeClr val="tx1">
+                      <a:alpha val="50000"/>
+                    </a:schemeClr>
+                  </a:glow>
+                  <a:outerShdw blurRad="50800" dir="5400000" algn="ctr" rotWithShape="0">
+                    <a:schemeClr val="tx1"/>
+                  </a:outerShdw>
+                </a:effectLst>
+              </a:rPr>
+              <a:t>HOOD</a:t>
+            </a:r>
+          </a:p>
+        </p:txBody>
+      </p:sp>
+      <p:sp>
+        <p:nvSpPr>
+          <p:cNvPr id="21" name="TextBox 20">
+            <a:extLst>
+              <a:ext uri="{FF2B5EF4-FFF2-40B4-BE49-F238E27FC236}">
+                <a16:creationId xmlns:a16="http://schemas.microsoft.com/office/drawing/2014/main" id="{FB37E83B-3C15-4280-99C0-C42D7ECD1D37}"/>
+              </a:ext>
+            </a:extLst>
+          </p:cNvPr>
+          <p:cNvSpPr txBox="1"/>
+          <p:nvPr/>
+        </p:nvSpPr>
+        <p:spPr>
+          <a:xfrm>
+            <a:off x="6566235" y="1406925"/>
+            <a:ext cx="885179" cy="523220"/>
+          </a:xfrm>
+          <a:prstGeom prst="rect">
+            <a:avLst/>
+          </a:prstGeom>
+          <a:noFill/>
+        </p:spPr>
+        <p:txBody>
+          <a:bodyPr wrap="none" rtlCol="0">
+            <a:spAutoFit/>
+          </a:bodyPr>
+          <a:lstStyle/>
+          <a:p>
+            <a:pPr algn="ctr"/>
+            <a:r>
+              <a:rPr lang="en-US" sz="1400" dirty="0">
+                <a:solidFill>
+                  <a:schemeClr val="bg1"/>
+                </a:solidFill>
+                <a:effectLst>
+                  <a:glow rad="127000">
+                    <a:schemeClr val="tx1">
+                      <a:alpha val="50000"/>
+                    </a:schemeClr>
+                  </a:glow>
+                  <a:outerShdw blurRad="50800" dir="5400000" algn="ctr" rotWithShape="0">
+                    <a:schemeClr val="tx1"/>
+                  </a:outerShdw>
+                </a:effectLst>
+              </a:rPr>
+              <a:t>SHOOTER</a:t>
+            </a:r>
+            <a:br>
+              <a:rPr lang="en-US" sz="1400" dirty="0">
+                <a:solidFill>
+                  <a:schemeClr val="bg1"/>
+                </a:solidFill>
+                <a:effectLst>
+                  <a:glow rad="127000">
+                    <a:schemeClr val="tx1">
+                      <a:alpha val="50000"/>
+                    </a:schemeClr>
+                  </a:glow>
+                  <a:outerShdw blurRad="50800" dir="5400000" algn="ctr" rotWithShape="0">
+                    <a:schemeClr val="tx1"/>
+                  </a:outerShdw>
+                </a:effectLst>
+              </a:rPr>
+            </a:br>
+            <a:r>
+              <a:rPr lang="en-US" sz="1400" dirty="0">
+                <a:solidFill>
+                  <a:schemeClr val="bg1"/>
+                </a:solidFill>
+                <a:effectLst>
+                  <a:glow rad="127000">
+                    <a:schemeClr val="tx1">
+                      <a:alpha val="50000"/>
+                    </a:schemeClr>
+                  </a:glow>
+                  <a:outerShdw blurRad="50800" dir="5400000" algn="ctr" rotWithShape="0">
+                    <a:schemeClr val="tx1"/>
+                  </a:outerShdw>
+                </a:effectLst>
+              </a:rPr>
+              <a:t>WHEEL</a:t>
             </a:r>
           </a:p>
         </p:txBody>

--- a/images/labeled_robot.pptx
+++ b/images/labeled_robot.pptx
@@ -259,7 +259,7 @@
           <a:p>
             <a:fld id="{D3107166-C4DA-4C3A-B828-A77CE6732949}" type="datetimeFigureOut">
               <a:rPr lang="en-US" smtClean="0"/>
-              <a:t>1/29/2022</a:t>
+              <a:t>2/14/2022</a:t>
             </a:fld>
             <a:endParaRPr lang="en-US"/>
           </a:p>
@@ -457,7 +457,7 @@
           <a:p>
             <a:fld id="{D3107166-C4DA-4C3A-B828-A77CE6732949}" type="datetimeFigureOut">
               <a:rPr lang="en-US" smtClean="0"/>
-              <a:t>1/29/2022</a:t>
+              <a:t>2/14/2022</a:t>
             </a:fld>
             <a:endParaRPr lang="en-US"/>
           </a:p>
@@ -665,7 +665,7 @@
           <a:p>
             <a:fld id="{D3107166-C4DA-4C3A-B828-A77CE6732949}" type="datetimeFigureOut">
               <a:rPr lang="en-US" smtClean="0"/>
-              <a:t>1/29/2022</a:t>
+              <a:t>2/14/2022</a:t>
             </a:fld>
             <a:endParaRPr lang="en-US"/>
           </a:p>
@@ -863,7 +863,7 @@
           <a:p>
             <a:fld id="{D3107166-C4DA-4C3A-B828-A77CE6732949}" type="datetimeFigureOut">
               <a:rPr lang="en-US" smtClean="0"/>
-              <a:t>1/29/2022</a:t>
+              <a:t>2/14/2022</a:t>
             </a:fld>
             <a:endParaRPr lang="en-US"/>
           </a:p>
@@ -1138,7 +1138,7 @@
           <a:p>
             <a:fld id="{D3107166-C4DA-4C3A-B828-A77CE6732949}" type="datetimeFigureOut">
               <a:rPr lang="en-US" smtClean="0"/>
-              <a:t>1/29/2022</a:t>
+              <a:t>2/14/2022</a:t>
             </a:fld>
             <a:endParaRPr lang="en-US"/>
           </a:p>
@@ -1403,7 +1403,7 @@
           <a:p>
             <a:fld id="{D3107166-C4DA-4C3A-B828-A77CE6732949}" type="datetimeFigureOut">
               <a:rPr lang="en-US" smtClean="0"/>
-              <a:t>1/29/2022</a:t>
+              <a:t>2/14/2022</a:t>
             </a:fld>
             <a:endParaRPr lang="en-US"/>
           </a:p>
@@ -1815,7 +1815,7 @@
           <a:p>
             <a:fld id="{D3107166-C4DA-4C3A-B828-A77CE6732949}" type="datetimeFigureOut">
               <a:rPr lang="en-US" smtClean="0"/>
-              <a:t>1/29/2022</a:t>
+              <a:t>2/14/2022</a:t>
             </a:fld>
             <a:endParaRPr lang="en-US"/>
           </a:p>
@@ -1956,7 +1956,7 @@
           <a:p>
             <a:fld id="{D3107166-C4DA-4C3A-B828-A77CE6732949}" type="datetimeFigureOut">
               <a:rPr lang="en-US" smtClean="0"/>
-              <a:t>1/29/2022</a:t>
+              <a:t>2/14/2022</a:t>
             </a:fld>
             <a:endParaRPr lang="en-US"/>
           </a:p>
@@ -2069,7 +2069,7 @@
           <a:p>
             <a:fld id="{D3107166-C4DA-4C3A-B828-A77CE6732949}" type="datetimeFigureOut">
               <a:rPr lang="en-US" smtClean="0"/>
-              <a:t>1/29/2022</a:t>
+              <a:t>2/14/2022</a:t>
             </a:fld>
             <a:endParaRPr lang="en-US"/>
           </a:p>
@@ -2380,7 +2380,7 @@
           <a:p>
             <a:fld id="{D3107166-C4DA-4C3A-B828-A77CE6732949}" type="datetimeFigureOut">
               <a:rPr lang="en-US" smtClean="0"/>
-              <a:t>1/29/2022</a:t>
+              <a:t>2/14/2022</a:t>
             </a:fld>
             <a:endParaRPr lang="en-US"/>
           </a:p>
@@ -2668,7 +2668,7 @@
           <a:p>
             <a:fld id="{D3107166-C4DA-4C3A-B828-A77CE6732949}" type="datetimeFigureOut">
               <a:rPr lang="en-US" smtClean="0"/>
-              <a:t>1/29/2022</a:t>
+              <a:t>2/14/2022</a:t>
             </a:fld>
             <a:endParaRPr lang="en-US"/>
           </a:p>
@@ -2909,7 +2909,7 @@
           <a:p>
             <a:fld id="{D3107166-C4DA-4C3A-B828-A77CE6732949}" type="datetimeFigureOut">
               <a:rPr lang="en-US" smtClean="0"/>
-              <a:t>1/29/2022</a:t>
+              <a:t>2/14/2022</a:t>
             </a:fld>
             <a:endParaRPr lang="en-US"/>
           </a:p>
@@ -3328,10 +3328,10 @@
       </p:grpSpPr>
       <p:pic>
         <p:nvPicPr>
-          <p:cNvPr id="3" name="Picture 2">
-            <a:extLst>
-              <a:ext uri="{FF2B5EF4-FFF2-40B4-BE49-F238E27FC236}">
-                <a16:creationId xmlns:a16="http://schemas.microsoft.com/office/drawing/2014/main" id="{DD09CA16-205B-45AD-ACB8-06F27255D9FD}"/>
+          <p:cNvPr id="15" name="Picture 14">
+            <a:extLst>
+              <a:ext uri="{FF2B5EF4-FFF2-40B4-BE49-F238E27FC236}">
+                <a16:creationId xmlns:a16="http://schemas.microsoft.com/office/drawing/2014/main" id="{EE2C2FA3-18B8-4E8E-AE84-46CDDF65F5AB}"/>
               </a:ext>
             </a:extLst>
           </p:cNvPr>
@@ -3348,57 +3348,14 @@
         </p:blipFill>
         <p:spPr>
           <a:xfrm>
-            <a:off x="3718915" y="135127"/>
-            <a:ext cx="6668431" cy="6382641"/>
+            <a:off x="3122822" y="717225"/>
+            <a:ext cx="7706801" cy="6363588"/>
           </a:xfrm>
           <a:prstGeom prst="rect">
             <a:avLst/>
           </a:prstGeom>
         </p:spPr>
       </p:pic>
-      <p:sp>
-        <p:nvSpPr>
-          <p:cNvPr id="8" name="TextBox 7">
-            <a:extLst>
-              <a:ext uri="{FF2B5EF4-FFF2-40B4-BE49-F238E27FC236}">
-                <a16:creationId xmlns:a16="http://schemas.microsoft.com/office/drawing/2014/main" id="{7DE6CBE4-B678-46CD-832E-65FB92AB44DB}"/>
-              </a:ext>
-            </a:extLst>
-          </p:cNvPr>
-          <p:cNvSpPr txBox="1"/>
-          <p:nvPr/>
-        </p:nvSpPr>
-        <p:spPr>
-          <a:xfrm>
-            <a:off x="6298250" y="3777242"/>
-            <a:ext cx="751937" cy="276999"/>
-          </a:xfrm>
-          <a:prstGeom prst="rect">
-            <a:avLst/>
-          </a:prstGeom>
-          <a:solidFill>
-            <a:schemeClr val="accent6">
-              <a:lumMod val="50000"/>
-            </a:schemeClr>
-          </a:solidFill>
-        </p:spPr>
-        <p:txBody>
-          <a:bodyPr wrap="none" rtlCol="0">
-            <a:spAutoFit/>
-          </a:bodyPr>
-          <a:lstStyle/>
-          <a:p>
-            <a:r>
-              <a:rPr lang="en-US" sz="1200" dirty="0">
-                <a:solidFill>
-                  <a:schemeClr val="bg1"/>
-                </a:solidFill>
-              </a:rPr>
-              <a:t>BLOCKER</a:t>
-            </a:r>
-          </a:p>
-        </p:txBody>
-      </p:sp>
       <p:sp>
         <p:nvSpPr>
           <p:cNvPr id="9" name="TextBox 8">
@@ -3511,7 +3468,7 @@
         </p:nvSpPr>
         <p:spPr>
           <a:xfrm>
-            <a:off x="6676539" y="5309420"/>
+            <a:off x="8018226" y="5309420"/>
             <a:ext cx="1079142" cy="307777"/>
           </a:xfrm>
           <a:prstGeom prst="rect">
@@ -3957,6 +3914,96 @@
                 </a:effectLst>
               </a:rPr>
               <a:t>WHEEL</a:t>
+            </a:r>
+          </a:p>
+        </p:txBody>
+      </p:sp>
+      <p:cxnSp>
+        <p:nvCxnSpPr>
+          <p:cNvPr id="4" name="Straight Arrow Connector 3">
+            <a:extLst>
+              <a:ext uri="{FF2B5EF4-FFF2-40B4-BE49-F238E27FC236}">
+                <a16:creationId xmlns:a16="http://schemas.microsoft.com/office/drawing/2014/main" id="{EA1E8154-E12C-41CF-A75C-404E36527D55}"/>
+              </a:ext>
+            </a:extLst>
+          </p:cNvPr>
+          <p:cNvCxnSpPr>
+            <a:cxnSpLocks/>
+          </p:cNvCxnSpPr>
+          <p:nvPr/>
+        </p:nvCxnSpPr>
+        <p:spPr>
+          <a:xfrm>
+            <a:off x="6362867" y="6209113"/>
+            <a:ext cx="1601813" cy="0"/>
+          </a:xfrm>
+          <a:prstGeom prst="straightConnector1">
+            <a:avLst/>
+          </a:prstGeom>
+          <a:ln>
+            <a:tailEnd type="triangle"/>
+          </a:ln>
+        </p:spPr>
+        <p:style>
+          <a:lnRef idx="1">
+            <a:schemeClr val="dk1"/>
+          </a:lnRef>
+          <a:fillRef idx="0">
+            <a:schemeClr val="dk1"/>
+          </a:fillRef>
+          <a:effectRef idx="0">
+            <a:schemeClr val="dk1"/>
+          </a:effectRef>
+          <a:fontRef idx="minor">
+            <a:schemeClr val="tx1"/>
+          </a:fontRef>
+        </p:style>
+      </p:cxnSp>
+      <p:sp>
+        <p:nvSpPr>
+          <p:cNvPr id="22" name="TextBox 21">
+            <a:extLst>
+              <a:ext uri="{FF2B5EF4-FFF2-40B4-BE49-F238E27FC236}">
+                <a16:creationId xmlns:a16="http://schemas.microsoft.com/office/drawing/2014/main" id="{85D26F22-D191-4AE3-AD04-D1647F066B21}"/>
+              </a:ext>
+            </a:extLst>
+          </p:cNvPr>
+          <p:cNvSpPr txBox="1"/>
+          <p:nvPr/>
+        </p:nvSpPr>
+        <p:spPr>
+          <a:xfrm>
+            <a:off x="6705767" y="5901336"/>
+            <a:ext cx="944361" cy="307777"/>
+          </a:xfrm>
+          <a:prstGeom prst="rect">
+            <a:avLst/>
+          </a:prstGeom>
+          <a:noFill/>
+        </p:spPr>
+        <p:txBody>
+          <a:bodyPr wrap="none" rtlCol="0">
+            <a:spAutoFit/>
+          </a:bodyPr>
+          <a:lstStyle/>
+          <a:p>
+            <a:r>
+              <a:rPr lang="en-US" sz="1400" dirty="0">
+                <a:solidFill>
+                  <a:schemeClr val="bg1"/>
+                </a:solidFill>
+                <a:effectLst>
+                  <a:glow rad="127000">
+                    <a:schemeClr val="tx1">
+                      <a:alpha val="50000"/>
+                    </a:schemeClr>
+                  </a:glow>
+                  <a:outerShdw blurRad="50800" dir="5400000" algn="ctr" rotWithShape="0">
+                    <a:schemeClr val="tx1"/>
+                  </a:outerShdw>
+                </a:effectLst>
+              </a:rPr>
+              <a:t>FORWARD</a:t>
             </a:r>
           </a:p>
         </p:txBody>
